--- a/chart/chart1.pptx
+++ b/chart/chart1.pptx
@@ -107,7 +107,7 @@
   </p:defaultTextStyle>
   <p:extLst>
     <p:ext uri="{EFAFB233-063F-42B5-8137-9DF3F51BA10A}">
-      <p15:sldGuideLst xmlns:p15="http://schemas.microsoft.com/office/powerpoint/2012/main"/>
+      <p15:sldGuideLst xmlns="" xmlns:p15="http://schemas.microsoft.com/office/powerpoint/2012/main"/>
     </p:ext>
   </p:extLst>
 </p:presentation>
@@ -244,7 +244,7 @@
           <a:p>
             <a:fld id="{9A258ABB-762E-4715-97DF-04BF6C2D1572}" type="datetimeFigureOut">
               <a:rPr lang="zh-CN" altLang="en-US" smtClean="0"/>
-              <a:t>2016/4/5</a:t>
+              <a:t>2016/4/6</a:t>
             </a:fld>
             <a:endParaRPr lang="zh-CN" altLang="en-US"/>
           </a:p>
@@ -414,7 +414,7 @@
           <a:p>
             <a:fld id="{9A258ABB-762E-4715-97DF-04BF6C2D1572}" type="datetimeFigureOut">
               <a:rPr lang="zh-CN" altLang="en-US" smtClean="0"/>
-              <a:t>2016/4/5</a:t>
+              <a:t>2016/4/6</a:t>
             </a:fld>
             <a:endParaRPr lang="zh-CN" altLang="en-US"/>
           </a:p>
@@ -594,7 +594,7 @@
           <a:p>
             <a:fld id="{9A258ABB-762E-4715-97DF-04BF6C2D1572}" type="datetimeFigureOut">
               <a:rPr lang="zh-CN" altLang="en-US" smtClean="0"/>
-              <a:t>2016/4/5</a:t>
+              <a:t>2016/4/6</a:t>
             </a:fld>
             <a:endParaRPr lang="zh-CN" altLang="en-US"/>
           </a:p>
@@ -764,7 +764,7 @@
           <a:p>
             <a:fld id="{9A258ABB-762E-4715-97DF-04BF6C2D1572}" type="datetimeFigureOut">
               <a:rPr lang="zh-CN" altLang="en-US" smtClean="0"/>
-              <a:t>2016/4/5</a:t>
+              <a:t>2016/4/6</a:t>
             </a:fld>
             <a:endParaRPr lang="zh-CN" altLang="en-US"/>
           </a:p>
@@ -1010,7 +1010,7 @@
           <a:p>
             <a:fld id="{9A258ABB-762E-4715-97DF-04BF6C2D1572}" type="datetimeFigureOut">
               <a:rPr lang="zh-CN" altLang="en-US" smtClean="0"/>
-              <a:t>2016/4/5</a:t>
+              <a:t>2016/4/6</a:t>
             </a:fld>
             <a:endParaRPr lang="zh-CN" altLang="en-US"/>
           </a:p>
@@ -1242,7 +1242,7 @@
           <a:p>
             <a:fld id="{9A258ABB-762E-4715-97DF-04BF6C2D1572}" type="datetimeFigureOut">
               <a:rPr lang="zh-CN" altLang="en-US" smtClean="0"/>
-              <a:t>2016/4/5</a:t>
+              <a:t>2016/4/6</a:t>
             </a:fld>
             <a:endParaRPr lang="zh-CN" altLang="en-US"/>
           </a:p>
@@ -1609,7 +1609,7 @@
           <a:p>
             <a:fld id="{9A258ABB-762E-4715-97DF-04BF6C2D1572}" type="datetimeFigureOut">
               <a:rPr lang="zh-CN" altLang="en-US" smtClean="0"/>
-              <a:t>2016/4/5</a:t>
+              <a:t>2016/4/6</a:t>
             </a:fld>
             <a:endParaRPr lang="zh-CN" altLang="en-US"/>
           </a:p>
@@ -1727,7 +1727,7 @@
           <a:p>
             <a:fld id="{9A258ABB-762E-4715-97DF-04BF6C2D1572}" type="datetimeFigureOut">
               <a:rPr lang="zh-CN" altLang="en-US" smtClean="0"/>
-              <a:t>2016/4/5</a:t>
+              <a:t>2016/4/6</a:t>
             </a:fld>
             <a:endParaRPr lang="zh-CN" altLang="en-US"/>
           </a:p>
@@ -1822,7 +1822,7 @@
           <a:p>
             <a:fld id="{9A258ABB-762E-4715-97DF-04BF6C2D1572}" type="datetimeFigureOut">
               <a:rPr lang="zh-CN" altLang="en-US" smtClean="0"/>
-              <a:t>2016/4/5</a:t>
+              <a:t>2016/4/6</a:t>
             </a:fld>
             <a:endParaRPr lang="zh-CN" altLang="en-US"/>
           </a:p>
@@ -2099,7 +2099,7 @@
           <a:p>
             <a:fld id="{9A258ABB-762E-4715-97DF-04BF6C2D1572}" type="datetimeFigureOut">
               <a:rPr lang="zh-CN" altLang="en-US" smtClean="0"/>
-              <a:t>2016/4/5</a:t>
+              <a:t>2016/4/6</a:t>
             </a:fld>
             <a:endParaRPr lang="zh-CN" altLang="en-US"/>
           </a:p>
@@ -2352,7 +2352,7 @@
           <a:p>
             <a:fld id="{9A258ABB-762E-4715-97DF-04BF6C2D1572}" type="datetimeFigureOut">
               <a:rPr lang="zh-CN" altLang="en-US" smtClean="0"/>
-              <a:t>2016/4/5</a:t>
+              <a:t>2016/4/6</a:t>
             </a:fld>
             <a:endParaRPr lang="zh-CN" altLang="en-US"/>
           </a:p>
@@ -2565,7 +2565,7 @@
           <a:p>
             <a:fld id="{9A258ABB-762E-4715-97DF-04BF6C2D1572}" type="datetimeFigureOut">
               <a:rPr lang="zh-CN" altLang="en-US" smtClean="0"/>
-              <a:t>2016/4/5</a:t>
+              <a:t>2016/4/6</a:t>
             </a:fld>
             <a:endParaRPr lang="zh-CN" altLang="en-US"/>
           </a:p>
@@ -2979,7 +2979,7 @@
         <p:spPr>
           <a:xfrm>
             <a:off x="1302327" y="907473"/>
-            <a:ext cx="1260764" cy="830997"/>
+            <a:ext cx="963089" cy="830997"/>
           </a:xfrm>
           <a:prstGeom prst="rect">
             <a:avLst/>
@@ -3061,8 +3061,8 @@
         </p:nvSpPr>
         <p:spPr>
           <a:xfrm>
-            <a:off x="2563091" y="907473"/>
-            <a:ext cx="4371109" cy="830997"/>
+            <a:off x="2265417" y="907473"/>
+            <a:ext cx="3727420" cy="830997"/>
           </a:xfrm>
           <a:prstGeom prst="rect">
             <a:avLst/>
@@ -3107,7 +3107,7 @@
         </p:nvSpPr>
         <p:spPr>
           <a:xfrm>
-            <a:off x="1236517" y="907473"/>
+            <a:off x="1258058" y="907472"/>
             <a:ext cx="6691745" cy="830997"/>
           </a:xfrm>
           <a:prstGeom prst="rect">
@@ -3123,7 +3123,7 @@
           <a:p>
             <a:r>
               <a:rPr lang="en-US" altLang="zh-CN" sz="4800" dirty="0" smtClean="0"/>
-              <a:t>100101200000000001</a:t>
+              <a:t>101012000000001</a:t>
             </a:r>
             <a:endParaRPr lang="zh-CN" altLang="en-US" sz="4800" dirty="0"/>
           </a:p>
@@ -3206,8 +3206,8 @@
         </p:nvCxnSpPr>
         <p:spPr>
           <a:xfrm>
-            <a:off x="1932709" y="1738470"/>
-            <a:ext cx="2626666" cy="943408"/>
+            <a:off x="1783872" y="1738470"/>
+            <a:ext cx="2775503" cy="943408"/>
           </a:xfrm>
           <a:prstGeom prst="straightConnector1">
             <a:avLst/>
@@ -3255,7 +3255,15 @@
           <a:p>
             <a:r>
               <a:rPr lang="en-US" altLang="zh-CN" dirty="0" smtClean="0"/>
-              <a:t>Object type code (length:3, range:0-999)</a:t>
+              <a:t>Object type code (</a:t>
+            </a:r>
+            <a:r>
+              <a:rPr lang="en-US" altLang="zh-CN" dirty="0" smtClean="0"/>
+              <a:t>length:2, range:0-99</a:t>
+            </a:r>
+            <a:r>
+              <a:rPr lang="en-US" altLang="zh-CN" dirty="0" smtClean="0"/>
+              <a:t>)</a:t>
             </a:r>
             <a:endParaRPr lang="zh-CN" altLang="en-US" dirty="0"/>
           </a:p>
@@ -3272,8 +3280,8 @@
         </p:nvCxnSpPr>
         <p:spPr>
           <a:xfrm>
-            <a:off x="4748646" y="1738470"/>
-            <a:ext cx="2392825" cy="483274"/>
+            <a:off x="4129127" y="1738470"/>
+            <a:ext cx="2895325" cy="483274"/>
           </a:xfrm>
           <a:prstGeom prst="straightConnector1">
             <a:avLst/>
@@ -3306,7 +3314,7 @@
         <p:spPr>
           <a:xfrm>
             <a:off x="4816411" y="2221744"/>
-            <a:ext cx="4650119" cy="369332"/>
+            <a:ext cx="4416081" cy="369332"/>
           </a:xfrm>
           <a:prstGeom prst="rect">
             <a:avLst/>
@@ -3321,7 +3329,11 @@
           <a:p>
             <a:r>
               <a:rPr lang="en-US" altLang="zh-CN" dirty="0" smtClean="0"/>
-              <a:t>Object Id (length:14, range:0-99999999999999)</a:t>
+              <a:t>Object Id (</a:t>
+            </a:r>
+            <a:r>
+              <a:rPr lang="en-US" altLang="zh-CN" dirty="0" smtClean="0"/>
+              <a:t>length:12, range:0-999999999999)</a:t>
             </a:r>
             <a:endParaRPr lang="zh-CN" altLang="en-US" dirty="0"/>
           </a:p>
@@ -3335,8 +3347,8 @@
         </p:nvSpPr>
         <p:spPr>
           <a:xfrm>
-            <a:off x="2437147" y="4572643"/>
-            <a:ext cx="1292911" cy="830997"/>
+            <a:off x="2307876" y="4470388"/>
+            <a:ext cx="969896" cy="830997"/>
           </a:xfrm>
           <a:prstGeom prst="rect">
             <a:avLst/>
@@ -3375,8 +3387,8 @@
         </p:nvSpPr>
         <p:spPr>
           <a:xfrm>
-            <a:off x="3726880" y="4572643"/>
-            <a:ext cx="3096484" cy="830997"/>
+            <a:off x="3277772" y="4470388"/>
+            <a:ext cx="2715064" cy="830997"/>
           </a:xfrm>
           <a:prstGeom prst="rect">
             <a:avLst/>
@@ -3415,14 +3427,14 @@
       </p:sp>
       <p:sp>
         <p:nvSpPr>
-          <p:cNvPr id="30" name="文本框 29"/>
+          <p:cNvPr id="34" name="文本框 33"/>
           <p:cNvSpPr txBox="1"/>
           <p:nvPr/>
         </p:nvSpPr>
         <p:spPr>
           <a:xfrm>
-            <a:off x="2388656" y="4595794"/>
-            <a:ext cx="5772932" cy="830997"/>
+            <a:off x="1190571" y="3932457"/>
+            <a:ext cx="6348148" cy="523220"/>
           </a:xfrm>
           <a:prstGeom prst="rect">
             <a:avLst/>
@@ -3430,29 +3442,33 @@
           <a:noFill/>
         </p:spPr>
         <p:txBody>
-          <a:bodyPr wrap="square" rtlCol="0">
+          <a:bodyPr wrap="none" rtlCol="0">
             <a:spAutoFit/>
           </a:bodyPr>
           <a:lstStyle/>
           <a:p>
             <a:r>
-              <a:rPr lang="en-US" altLang="zh-CN" sz="4800" dirty="0" smtClean="0"/>
-              <a:t>01200000000001</a:t>
-            </a:r>
-            <a:endParaRPr lang="zh-CN" altLang="en-US" sz="4800" dirty="0"/>
-          </a:p>
-        </p:txBody>
-      </p:sp>
-      <p:sp>
-        <p:nvSpPr>
-          <p:cNvPr id="34" name="文本框 33"/>
+              <a:rPr lang="en-US" altLang="zh-CN" sz="2800" b="1" dirty="0" smtClean="0"/>
+              <a:t>Object Id special for Full NE Id (</a:t>
+            </a:r>
+            <a:r>
+              <a:rPr lang="en-US" altLang="zh-CN" sz="2800" b="1" dirty="0" smtClean="0"/>
+              <a:t>length:12)</a:t>
+            </a:r>
+            <a:endParaRPr lang="zh-CN" altLang="en-US" sz="2800" b="1" dirty="0"/>
+          </a:p>
+        </p:txBody>
+      </p:sp>
+      <p:sp>
+        <p:nvSpPr>
+          <p:cNvPr id="35" name="文本框 34"/>
           <p:cNvSpPr txBox="1"/>
           <p:nvPr/>
         </p:nvSpPr>
         <p:spPr>
           <a:xfrm>
-            <a:off x="1190571" y="3932457"/>
-            <a:ext cx="6348148" cy="523220"/>
+            <a:off x="2010201" y="5911547"/>
+            <a:ext cx="2237344" cy="369332"/>
           </a:xfrm>
           <a:prstGeom prst="rect">
             <a:avLst/>
@@ -3466,23 +3482,27 @@
           <a:lstStyle/>
           <a:p>
             <a:r>
-              <a:rPr lang="en-US" altLang="zh-CN" sz="2800" b="1" dirty="0" smtClean="0"/>
-              <a:t>Object Id special for Full NE Id (length:14)</a:t>
-            </a:r>
-            <a:endParaRPr lang="zh-CN" altLang="en-US" sz="2800" b="1" dirty="0"/>
-          </a:p>
-        </p:txBody>
-      </p:sp>
-      <p:sp>
-        <p:nvSpPr>
-          <p:cNvPr id="35" name="文本框 34"/>
+              <a:rPr lang="en-US" altLang="zh-CN" dirty="0" smtClean="0"/>
+              <a:t>NeGroup Id (</a:t>
+            </a:r>
+            <a:r>
+              <a:rPr lang="en-US" altLang="zh-CN" dirty="0" smtClean="0"/>
+              <a:t>length:3)</a:t>
+            </a:r>
+            <a:endParaRPr lang="zh-CN" altLang="en-US" dirty="0"/>
+          </a:p>
+        </p:txBody>
+      </p:sp>
+      <p:sp>
+        <p:nvSpPr>
+          <p:cNvPr id="36" name="文本框 35"/>
           <p:cNvSpPr txBox="1"/>
           <p:nvPr/>
         </p:nvSpPr>
         <p:spPr>
           <a:xfrm>
-            <a:off x="2152872" y="6013802"/>
-            <a:ext cx="2237344" cy="369332"/>
+            <a:off x="5078983" y="5912817"/>
+            <a:ext cx="1649554" cy="369332"/>
           </a:xfrm>
           <a:prstGeom prst="rect">
             <a:avLst/>
@@ -3497,37 +3517,11 @@
           <a:p>
             <a:r>
               <a:rPr lang="en-US" altLang="zh-CN" dirty="0" smtClean="0"/>
-              <a:t>NeGroup Id (length:4)</a:t>
-            </a:r>
-            <a:endParaRPr lang="zh-CN" altLang="en-US" dirty="0"/>
-          </a:p>
-        </p:txBody>
-      </p:sp>
-      <p:sp>
-        <p:nvSpPr>
-          <p:cNvPr id="36" name="文本框 35"/>
-          <p:cNvSpPr txBox="1"/>
-          <p:nvPr/>
-        </p:nvSpPr>
-        <p:spPr>
-          <a:xfrm>
-            <a:off x="5221654" y="6015072"/>
-            <a:ext cx="1766574" cy="369332"/>
-          </a:xfrm>
-          <a:prstGeom prst="rect">
-            <a:avLst/>
-          </a:prstGeom>
-          <a:noFill/>
-        </p:spPr>
-        <p:txBody>
-          <a:bodyPr wrap="none" rtlCol="0">
-            <a:spAutoFit/>
-          </a:bodyPr>
-          <a:lstStyle/>
-          <a:p>
+              <a:t>Ne Id (</a:t>
+            </a:r>
             <a:r>
               <a:rPr lang="en-US" altLang="zh-CN" dirty="0" smtClean="0"/>
-              <a:t>Ne Id (length:10)</a:t>
+              <a:t>length:9)</a:t>
             </a:r>
             <a:endParaRPr lang="zh-CN" altLang="en-US" dirty="0"/>
           </a:p>
@@ -3544,8 +3538,8 @@
         </p:nvCxnSpPr>
         <p:spPr>
           <a:xfrm>
-            <a:off x="3083603" y="5403640"/>
-            <a:ext cx="187941" cy="610162"/>
+            <a:off x="2792824" y="5301385"/>
+            <a:ext cx="336049" cy="610162"/>
           </a:xfrm>
           <a:prstGeom prst="straightConnector1">
             <a:avLst/>
@@ -3580,8 +3574,8 @@
         </p:nvCxnSpPr>
         <p:spPr>
           <a:xfrm>
-            <a:off x="5275122" y="5403640"/>
-            <a:ext cx="829819" cy="611432"/>
+            <a:off x="4635304" y="5301385"/>
+            <a:ext cx="1268456" cy="611432"/>
           </a:xfrm>
           <a:prstGeom prst="straightConnector1">
             <a:avLst/>
@@ -3636,17 +3630,43 @@
           <a:p>
             <a:r>
               <a:rPr lang="en-US" altLang="zh-CN" dirty="0"/>
-              <a:t>ID format for </a:t>
-            </a:r>
-            <a:r>
-              <a:rPr lang="en-US" altLang="zh-CN"/>
-              <a:t>all </a:t>
-            </a:r>
-            <a:r>
-              <a:rPr lang="en-US" altLang="zh-CN" smtClean="0"/>
-              <a:t>objects(length:18)</a:t>
+              <a:t>ID format for all </a:t>
+            </a:r>
+            <a:r>
+              <a:rPr lang="en-US" altLang="zh-CN" dirty="0" smtClean="0"/>
+              <a:t>objects(length:15)</a:t>
             </a:r>
             <a:endParaRPr lang="zh-CN" altLang="en-US" dirty="0"/>
+          </a:p>
+        </p:txBody>
+      </p:sp>
+      <p:sp>
+        <p:nvSpPr>
+          <p:cNvPr id="30" name="文本框 29"/>
+          <p:cNvSpPr txBox="1"/>
+          <p:nvPr/>
+        </p:nvSpPr>
+        <p:spPr>
+          <a:xfrm>
+            <a:off x="2251102" y="4469745"/>
+            <a:ext cx="4274245" cy="830997"/>
+          </a:xfrm>
+          <a:prstGeom prst="rect">
+            <a:avLst/>
+          </a:prstGeom>
+          <a:noFill/>
+        </p:spPr>
+        <p:txBody>
+          <a:bodyPr wrap="square" rtlCol="0">
+            <a:spAutoFit/>
+          </a:bodyPr>
+          <a:lstStyle/>
+          <a:p>
+            <a:r>
+              <a:rPr lang="en-US" altLang="zh-CN" sz="4800" dirty="0" smtClean="0"/>
+              <a:t>012000000001</a:t>
+            </a:r>
+            <a:endParaRPr lang="zh-CN" altLang="en-US" sz="4800" dirty="0"/>
           </a:p>
         </p:txBody>
       </p:sp>
@@ -4085,7 +4105,7 @@
   <a:extraClrSchemeLst/>
   <a:extLst>
     <a:ext uri="{05A4C25C-085E-4340-85A3-A5531E510DB2}">
-      <thm15:themeFamily xmlns:thm15="http://schemas.microsoft.com/office/thememl/2012/main" name="Office Theme" id="{62F939B6-93AF-4DB8-9C6B-D6C7DFDC589F}" vid="{4A3C46E8-61CC-4603-A589-7422A47A8E4A}"/>
+      <thm15:themeFamily xmlns="" xmlns:thm15="http://schemas.microsoft.com/office/thememl/2012/main" name="Office Theme" id="{62F939B6-93AF-4DB8-9C6B-D6C7DFDC589F}" vid="{4A3C46E8-61CC-4603-A589-7422A47A8E4A}"/>
     </a:ext>
   </a:extLst>
 </a:theme>

--- a/chart/chart1.pptx
+++ b/chart/chart1.pptx
@@ -107,7 +107,18 @@
   </p:defaultTextStyle>
   <p:extLst>
     <p:ext uri="{EFAFB233-063F-42B5-8137-9DF3F51BA10A}">
-      <p15:sldGuideLst xmlns="" xmlns:p15="http://schemas.microsoft.com/office/powerpoint/2012/main"/>
+      <p15:sldGuideLst xmlns:p15="http://schemas.microsoft.com/office/powerpoint/2012/main">
+        <p15:guide id="1" orient="horz" pos="2160">
+          <p15:clr>
+            <a:srgbClr val="A4A3A4"/>
+          </p15:clr>
+        </p15:guide>
+        <p15:guide id="2" pos="3840">
+          <p15:clr>
+            <a:srgbClr val="A4A3A4"/>
+          </p15:clr>
+        </p15:guide>
+      </p15:sldGuideLst>
     </p:ext>
   </p:extLst>
 </p:presentation>
@@ -244,7 +255,7 @@
           <a:p>
             <a:fld id="{9A258ABB-762E-4715-97DF-04BF6C2D1572}" type="datetimeFigureOut">
               <a:rPr lang="zh-CN" altLang="en-US" smtClean="0"/>
-              <a:t>2016/4/6</a:t>
+              <a:t>2016/4/7</a:t>
             </a:fld>
             <a:endParaRPr lang="zh-CN" altLang="en-US"/>
           </a:p>
@@ -414,7 +425,7 @@
           <a:p>
             <a:fld id="{9A258ABB-762E-4715-97DF-04BF6C2D1572}" type="datetimeFigureOut">
               <a:rPr lang="zh-CN" altLang="en-US" smtClean="0"/>
-              <a:t>2016/4/6</a:t>
+              <a:t>2016/4/7</a:t>
             </a:fld>
             <a:endParaRPr lang="zh-CN" altLang="en-US"/>
           </a:p>
@@ -594,7 +605,7 @@
           <a:p>
             <a:fld id="{9A258ABB-762E-4715-97DF-04BF6C2D1572}" type="datetimeFigureOut">
               <a:rPr lang="zh-CN" altLang="en-US" smtClean="0"/>
-              <a:t>2016/4/6</a:t>
+              <a:t>2016/4/7</a:t>
             </a:fld>
             <a:endParaRPr lang="zh-CN" altLang="en-US"/>
           </a:p>
@@ -764,7 +775,7 @@
           <a:p>
             <a:fld id="{9A258ABB-762E-4715-97DF-04BF6C2D1572}" type="datetimeFigureOut">
               <a:rPr lang="zh-CN" altLang="en-US" smtClean="0"/>
-              <a:t>2016/4/6</a:t>
+              <a:t>2016/4/7</a:t>
             </a:fld>
             <a:endParaRPr lang="zh-CN" altLang="en-US"/>
           </a:p>
@@ -1010,7 +1021,7 @@
           <a:p>
             <a:fld id="{9A258ABB-762E-4715-97DF-04BF6C2D1572}" type="datetimeFigureOut">
               <a:rPr lang="zh-CN" altLang="en-US" smtClean="0"/>
-              <a:t>2016/4/6</a:t>
+              <a:t>2016/4/7</a:t>
             </a:fld>
             <a:endParaRPr lang="zh-CN" altLang="en-US"/>
           </a:p>
@@ -1242,7 +1253,7 @@
           <a:p>
             <a:fld id="{9A258ABB-762E-4715-97DF-04BF6C2D1572}" type="datetimeFigureOut">
               <a:rPr lang="zh-CN" altLang="en-US" smtClean="0"/>
-              <a:t>2016/4/6</a:t>
+              <a:t>2016/4/7</a:t>
             </a:fld>
             <a:endParaRPr lang="zh-CN" altLang="en-US"/>
           </a:p>
@@ -1609,7 +1620,7 @@
           <a:p>
             <a:fld id="{9A258ABB-762E-4715-97DF-04BF6C2D1572}" type="datetimeFigureOut">
               <a:rPr lang="zh-CN" altLang="en-US" smtClean="0"/>
-              <a:t>2016/4/6</a:t>
+              <a:t>2016/4/7</a:t>
             </a:fld>
             <a:endParaRPr lang="zh-CN" altLang="en-US"/>
           </a:p>
@@ -1727,7 +1738,7 @@
           <a:p>
             <a:fld id="{9A258ABB-762E-4715-97DF-04BF6C2D1572}" type="datetimeFigureOut">
               <a:rPr lang="zh-CN" altLang="en-US" smtClean="0"/>
-              <a:t>2016/4/6</a:t>
+              <a:t>2016/4/7</a:t>
             </a:fld>
             <a:endParaRPr lang="zh-CN" altLang="en-US"/>
           </a:p>
@@ -1822,7 +1833,7 @@
           <a:p>
             <a:fld id="{9A258ABB-762E-4715-97DF-04BF6C2D1572}" type="datetimeFigureOut">
               <a:rPr lang="zh-CN" altLang="en-US" smtClean="0"/>
-              <a:t>2016/4/6</a:t>
+              <a:t>2016/4/7</a:t>
             </a:fld>
             <a:endParaRPr lang="zh-CN" altLang="en-US"/>
           </a:p>
@@ -2099,7 +2110,7 @@
           <a:p>
             <a:fld id="{9A258ABB-762E-4715-97DF-04BF6C2D1572}" type="datetimeFigureOut">
               <a:rPr lang="zh-CN" altLang="en-US" smtClean="0"/>
-              <a:t>2016/4/6</a:t>
+              <a:t>2016/4/7</a:t>
             </a:fld>
             <a:endParaRPr lang="zh-CN" altLang="en-US"/>
           </a:p>
@@ -2352,7 +2363,7 @@
           <a:p>
             <a:fld id="{9A258ABB-762E-4715-97DF-04BF6C2D1572}" type="datetimeFigureOut">
               <a:rPr lang="zh-CN" altLang="en-US" smtClean="0"/>
-              <a:t>2016/4/6</a:t>
+              <a:t>2016/4/7</a:t>
             </a:fld>
             <a:endParaRPr lang="zh-CN" altLang="en-US"/>
           </a:p>
@@ -2565,7 +2576,7 @@
           <a:p>
             <a:fld id="{9A258ABB-762E-4715-97DF-04BF6C2D1572}" type="datetimeFigureOut">
               <a:rPr lang="zh-CN" altLang="en-US" smtClean="0"/>
-              <a:t>2016/4/6</a:t>
+              <a:t>2016/4/7</a:t>
             </a:fld>
             <a:endParaRPr lang="zh-CN" altLang="en-US"/>
           </a:p>
@@ -3255,15 +3266,7 @@
           <a:p>
             <a:r>
               <a:rPr lang="en-US" altLang="zh-CN" dirty="0" smtClean="0"/>
-              <a:t>Object type code (</a:t>
-            </a:r>
-            <a:r>
-              <a:rPr lang="en-US" altLang="zh-CN" dirty="0" smtClean="0"/>
-              <a:t>length:2, range:0-99</a:t>
-            </a:r>
-            <a:r>
-              <a:rPr lang="en-US" altLang="zh-CN" dirty="0" smtClean="0"/>
-              <a:t>)</a:t>
+              <a:t>Object type code (length:2, range:0-99)</a:t>
             </a:r>
             <a:endParaRPr lang="zh-CN" altLang="en-US" dirty="0"/>
           </a:p>
@@ -3329,11 +3332,7 @@
           <a:p>
             <a:r>
               <a:rPr lang="en-US" altLang="zh-CN" dirty="0" smtClean="0"/>
-              <a:t>Object Id (</a:t>
-            </a:r>
-            <a:r>
-              <a:rPr lang="en-US" altLang="zh-CN" dirty="0" smtClean="0"/>
-              <a:t>length:12, range:0-999999999999)</a:t>
+              <a:t>Object Id (length:12, range:0-999999999999)</a:t>
             </a:r>
             <a:endParaRPr lang="zh-CN" altLang="en-US" dirty="0"/>
           </a:p>
@@ -3449,11 +3448,7 @@
           <a:p>
             <a:r>
               <a:rPr lang="en-US" altLang="zh-CN" sz="2800" b="1" dirty="0" smtClean="0"/>
-              <a:t>Object Id special for Full NE Id (</a:t>
-            </a:r>
-            <a:r>
-              <a:rPr lang="en-US" altLang="zh-CN" sz="2800" b="1" dirty="0" smtClean="0"/>
-              <a:t>length:12)</a:t>
+              <a:t>Object Id special for Full NE Id (length:12)</a:t>
             </a:r>
             <a:endParaRPr lang="zh-CN" altLang="en-US" sz="2800" b="1" dirty="0"/>
           </a:p>
@@ -3483,11 +3478,7 @@
           <a:p>
             <a:r>
               <a:rPr lang="en-US" altLang="zh-CN" dirty="0" smtClean="0"/>
-              <a:t>NeGroup Id (</a:t>
-            </a:r>
-            <a:r>
-              <a:rPr lang="en-US" altLang="zh-CN" dirty="0" smtClean="0"/>
-              <a:t>length:3)</a:t>
+              <a:t>NeGroup Id (length:3)</a:t>
             </a:r>
             <a:endParaRPr lang="zh-CN" altLang="en-US" dirty="0"/>
           </a:p>
@@ -3517,11 +3508,7 @@
           <a:p>
             <a:r>
               <a:rPr lang="en-US" altLang="zh-CN" dirty="0" smtClean="0"/>
-              <a:t>Ne Id (</a:t>
-            </a:r>
-            <a:r>
-              <a:rPr lang="en-US" altLang="zh-CN" dirty="0" smtClean="0"/>
-              <a:t>length:9)</a:t>
+              <a:t>Ne Id (length:9)</a:t>
             </a:r>
             <a:endParaRPr lang="zh-CN" altLang="en-US" dirty="0"/>
           </a:p>
@@ -3709,7 +3696,7 @@
         <p:spPr>
           <a:xfrm>
             <a:off x="1039091" y="1012406"/>
-            <a:ext cx="2473947" cy="4708981"/>
+            <a:ext cx="2473947" cy="5016758"/>
           </a:xfrm>
           <a:prstGeom prst="rect">
             <a:avLst/>
@@ -3829,8 +3816,23 @@
           <a:p>
             <a:r>
               <a:rPr lang="en-US" altLang="zh-CN" sz="2000" b="1" dirty="0" smtClean="0"/>
-              <a:t>11: Alarm</a:t>
-            </a:r>
+              <a:t>11: </a:t>
+            </a:r>
+            <a:r>
+              <a:rPr lang="en-US" altLang="zh-CN" sz="2000" b="1" dirty="0" smtClean="0"/>
+              <a:t>Alarm</a:t>
+            </a:r>
+          </a:p>
+          <a:p>
+            <a:r>
+              <a:rPr lang="en-US" altLang="zh-CN" sz="2000" b="1" dirty="0" smtClean="0"/>
+              <a:t>12: </a:t>
+            </a:r>
+            <a:r>
+              <a:rPr lang="en-US" altLang="zh-CN" sz="2000" b="1" dirty="0" err="1" smtClean="0"/>
+              <a:t>NEGroup</a:t>
+            </a:r>
+            <a:endParaRPr lang="en-US" altLang="zh-CN" sz="2000" b="1" dirty="0" smtClean="0"/>
           </a:p>
           <a:p>
             <a:endParaRPr lang="zh-CN" altLang="en-US" sz="2000" b="1" dirty="0"/>
@@ -4105,7 +4107,7 @@
   <a:extraClrSchemeLst/>
   <a:extLst>
     <a:ext uri="{05A4C25C-085E-4340-85A3-A5531E510DB2}">
-      <thm15:themeFamily xmlns="" xmlns:thm15="http://schemas.microsoft.com/office/thememl/2012/main" name="Office Theme" id="{62F939B6-93AF-4DB8-9C6B-D6C7DFDC589F}" vid="{4A3C46E8-61CC-4603-A589-7422A47A8E4A}"/>
+      <thm15:themeFamily xmlns:thm15="http://schemas.microsoft.com/office/thememl/2012/main" name="Office Theme" id="{62F939B6-93AF-4DB8-9C6B-D6C7DFDC589F}" vid="{4A3C46E8-61CC-4603-A589-7422A47A8E4A}"/>
     </a:ext>
   </a:extLst>
 </a:theme>
